--- a/Final_Project_Presentation.pptx
+++ b/Final_Project_Presentation.pptx
@@ -5,20 +5,21 @@
     <p:sldMasterId id="2147483648" r:id="rId1"/>
   </p:sldMasterIdLst>
   <p:notesMasterIdLst>
-    <p:notesMasterId r:id="rId13"/>
+    <p:notesMasterId r:id="rId14"/>
   </p:notesMasterIdLst>
   <p:sldIdLst>
     <p:sldId id="256" r:id="rId2"/>
     <p:sldId id="257" r:id="rId3"/>
     <p:sldId id="258" r:id="rId4"/>
-    <p:sldId id="259" r:id="rId5"/>
-    <p:sldId id="264" r:id="rId6"/>
-    <p:sldId id="261" r:id="rId7"/>
-    <p:sldId id="265" r:id="rId8"/>
-    <p:sldId id="262" r:id="rId9"/>
-    <p:sldId id="267" r:id="rId10"/>
-    <p:sldId id="266" r:id="rId11"/>
-    <p:sldId id="260" r:id="rId12"/>
+    <p:sldId id="268" r:id="rId5"/>
+    <p:sldId id="259" r:id="rId6"/>
+    <p:sldId id="264" r:id="rId7"/>
+    <p:sldId id="261" r:id="rId8"/>
+    <p:sldId id="265" r:id="rId9"/>
+    <p:sldId id="262" r:id="rId10"/>
+    <p:sldId id="267" r:id="rId11"/>
+    <p:sldId id="266" r:id="rId12"/>
+    <p:sldId id="260" r:id="rId13"/>
   </p:sldIdLst>
   <p:sldSz cx="12192000" cy="6858000"/>
   <p:notesSz cx="6858000" cy="9144000"/>
@@ -539,7 +540,7 @@
           <a:p>
             <a:fld id="{DEB90487-F5DF-F04A-A4CD-8024056EE1B3}" type="slidenum">
               <a:rPr kumimoji="1" lang="ko-KR" altLang="en-US" smtClean="0"/>
-              <a:t>11</a:t>
+              <a:t>12</a:t>
             </a:fld>
             <a:endParaRPr kumimoji="1" lang="ko-KR" altLang="en-US"/>
           </a:p>
@@ -3942,6 +3943,170 @@
         <p:cNvPr id="1" name="">
           <a:extLst>
             <a:ext uri="{FF2B5EF4-FFF2-40B4-BE49-F238E27FC236}">
+              <a16:creationId xmlns:a16="http://schemas.microsoft.com/office/drawing/2014/main" id="{497FD475-9735-E4BE-7833-8AEACD7D02A8}"/>
+            </a:ext>
+          </a:extLst>
+        </p:cNvPr>
+        <p:cNvGrpSpPr/>
+        <p:nvPr/>
+      </p:nvGrpSpPr>
+      <p:grpSpPr>
+        <a:xfrm>
+          <a:off x="0" y="0"/>
+          <a:ext cx="0" cy="0"/>
+          <a:chOff x="0" y="0"/>
+          <a:chExt cx="0" cy="0"/>
+        </a:xfrm>
+      </p:grpSpPr>
+      <p:sp>
+        <p:nvSpPr>
+          <p:cNvPr id="2" name="제목 1">
+            <a:extLst>
+              <a:ext uri="{FF2B5EF4-FFF2-40B4-BE49-F238E27FC236}">
+                <a16:creationId xmlns:a16="http://schemas.microsoft.com/office/drawing/2014/main" id="{0F381DDB-B692-4C4E-6345-B74164875DB4}"/>
+              </a:ext>
+            </a:extLst>
+          </p:cNvPr>
+          <p:cNvSpPr>
+            <a:spLocks noGrp="1"/>
+          </p:cNvSpPr>
+          <p:nvPr>
+            <p:ph type="title"/>
+          </p:nvPr>
+        </p:nvSpPr>
+        <p:spPr/>
+        <p:txBody>
+          <a:bodyPr/>
+          <a:lstStyle/>
+          <a:p>
+            <a:r>
+              <a:rPr kumimoji="1" lang="en-US" altLang="ko-KR" dirty="0"/>
+              <a:t>Main features (3/3)</a:t>
+            </a:r>
+            <a:endParaRPr kumimoji="1" lang="ko-KR" altLang="en-US" dirty="0"/>
+          </a:p>
+        </p:txBody>
+      </p:sp>
+      <p:pic>
+        <p:nvPicPr>
+          <p:cNvPr id="2054" name="Picture 6" descr="Chainalysis | CryptoSlate">
+            <a:extLst>
+              <a:ext uri="{FF2B5EF4-FFF2-40B4-BE49-F238E27FC236}">
+                <a16:creationId xmlns:a16="http://schemas.microsoft.com/office/drawing/2014/main" id="{314D9008-6323-87AB-31CA-48FE74DF2F21}"/>
+              </a:ext>
+            </a:extLst>
+          </p:cNvPr>
+          <p:cNvPicPr>
+            <a:picLocks noChangeAspect="1" noChangeArrowheads="1"/>
+          </p:cNvPicPr>
+          <p:nvPr/>
+        </p:nvPicPr>
+        <p:blipFill>
+          <a:blip r:embed="rId2">
+            <a:extLst>
+              <a:ext uri="{28A0092B-C50C-407E-A947-70E740481C1C}">
+                <a14:useLocalDpi xmlns:a14="http://schemas.microsoft.com/office/drawing/2010/main" val="0"/>
+              </a:ext>
+            </a:extLst>
+          </a:blip>
+          <a:srcRect/>
+          <a:stretch>
+            <a:fillRect/>
+          </a:stretch>
+        </p:blipFill>
+        <p:spPr bwMode="auto">
+          <a:xfrm>
+            <a:off x="398055" y="1559789"/>
+            <a:ext cx="3946566" cy="2071947"/>
+          </a:xfrm>
+          <a:prstGeom prst="rect">
+            <a:avLst/>
+          </a:prstGeom>
+          <a:noFill/>
+          <a:extLst>
+            <a:ext uri="{909E8E84-426E-40DD-AFC4-6F175D3DCCD1}">
+              <a14:hiddenFill xmlns:a14="http://schemas.microsoft.com/office/drawing/2010/main">
+                <a:solidFill>
+                  <a:srgbClr val="FFFFFF"/>
+                </a:solidFill>
+              </a14:hiddenFill>
+            </a:ext>
+          </a:extLst>
+        </p:spPr>
+      </p:pic>
+      <p:pic>
+        <p:nvPicPr>
+          <p:cNvPr id="2050" name="Picture 2">
+            <a:extLst>
+              <a:ext uri="{FF2B5EF4-FFF2-40B4-BE49-F238E27FC236}">
+                <a16:creationId xmlns:a16="http://schemas.microsoft.com/office/drawing/2014/main" id="{46CC2B45-BDEA-FF43-1C47-75CD9D7BB621}"/>
+              </a:ext>
+            </a:extLst>
+          </p:cNvPr>
+          <p:cNvPicPr>
+            <a:picLocks noChangeAspect="1" noChangeArrowheads="1"/>
+          </p:cNvPicPr>
+          <p:nvPr/>
+        </p:nvPicPr>
+        <p:blipFill>
+          <a:blip r:embed="rId3">
+            <a:extLst>
+              <a:ext uri="{28A0092B-C50C-407E-A947-70E740481C1C}">
+                <a14:useLocalDpi xmlns:a14="http://schemas.microsoft.com/office/drawing/2010/main" val="0"/>
+              </a:ext>
+            </a:extLst>
+          </a:blip>
+          <a:srcRect/>
+          <a:stretch>
+            <a:fillRect/>
+          </a:stretch>
+        </p:blipFill>
+        <p:spPr bwMode="auto">
+          <a:xfrm>
+            <a:off x="4149271" y="1590811"/>
+            <a:ext cx="7644674" cy="5016817"/>
+          </a:xfrm>
+          <a:prstGeom prst="rect">
+            <a:avLst/>
+          </a:prstGeom>
+          <a:noFill/>
+          <a:ln>
+            <a:solidFill>
+              <a:schemeClr val="accent1"/>
+            </a:solidFill>
+          </a:ln>
+          <a:extLst>
+            <a:ext uri="{909E8E84-426E-40DD-AFC4-6F175D3DCCD1}">
+              <a14:hiddenFill xmlns:a14="http://schemas.microsoft.com/office/drawing/2010/main">
+                <a:solidFill>
+                  <a:srgbClr val="FFFFFF"/>
+                </a:solidFill>
+              </a14:hiddenFill>
+            </a:ext>
+          </a:extLst>
+        </p:spPr>
+      </p:pic>
+    </p:spTree>
+    <p:extLst>
+      <p:ext uri="{BB962C8B-B14F-4D97-AF65-F5344CB8AC3E}">
+        <p14:creationId xmlns:p14="http://schemas.microsoft.com/office/powerpoint/2010/main" val="2590685777"/>
+      </p:ext>
+    </p:extLst>
+  </p:cSld>
+  <p:clrMapOvr>
+    <a:masterClrMapping/>
+  </p:clrMapOvr>
+</p:sld>
+</file>
+
+<file path=ppt/slides/slide11.xml><?xml version="1.0" encoding="utf-8"?>
+<p:sld xmlns:a="http://schemas.openxmlformats.org/drawingml/2006/main" xmlns:r="http://schemas.openxmlformats.org/officeDocument/2006/relationships" xmlns:p="http://schemas.openxmlformats.org/presentationml/2006/main">
+  <p:cSld>
+    <p:spTree>
+      <p:nvGrpSpPr>
+        <p:cNvPr id="1" name="">
+          <a:extLst>
+            <a:ext uri="{FF2B5EF4-FFF2-40B4-BE49-F238E27FC236}">
               <a16:creationId xmlns:a16="http://schemas.microsoft.com/office/drawing/2014/main" id="{DC33629B-273B-B01B-F2DE-04526671E977}"/>
             </a:ext>
           </a:extLst>
@@ -4034,7 +4199,7 @@
 </p:sld>
 </file>
 
-<file path=ppt/slides/slide11.xml><?xml version="1.0" encoding="utf-8"?>
+<file path=ppt/slides/slide12.xml><?xml version="1.0" encoding="utf-8"?>
 <p:sld xmlns:a="http://schemas.openxmlformats.org/drawingml/2006/main" xmlns:r="http://schemas.openxmlformats.org/officeDocument/2006/relationships" xmlns:p="http://schemas.openxmlformats.org/presentationml/2006/main">
   <p:cSld>
     <p:spTree>
@@ -4434,6 +4599,186 @@
   <p:cSld>
     <p:spTree>
       <p:nvGrpSpPr>
+        <p:cNvPr id="1" name="">
+          <a:extLst>
+            <a:ext uri="{FF2B5EF4-FFF2-40B4-BE49-F238E27FC236}">
+              <a16:creationId xmlns:a16="http://schemas.microsoft.com/office/drawing/2014/main" id="{B4125F1A-3FE0-0A7E-5E37-9ACAB4AA4D2D}"/>
+            </a:ext>
+          </a:extLst>
+        </p:cNvPr>
+        <p:cNvGrpSpPr/>
+        <p:nvPr/>
+      </p:nvGrpSpPr>
+      <p:grpSpPr>
+        <a:xfrm>
+          <a:off x="0" y="0"/>
+          <a:ext cx="0" cy="0"/>
+          <a:chOff x="0" y="0"/>
+          <a:chExt cx="0" cy="0"/>
+        </a:xfrm>
+      </p:grpSpPr>
+      <p:sp>
+        <p:nvSpPr>
+          <p:cNvPr id="2" name="제목 1">
+            <a:extLst>
+              <a:ext uri="{FF2B5EF4-FFF2-40B4-BE49-F238E27FC236}">
+                <a16:creationId xmlns:a16="http://schemas.microsoft.com/office/drawing/2014/main" id="{B70B469A-57F1-CCDA-0037-0EC959DF8BAD}"/>
+              </a:ext>
+            </a:extLst>
+          </p:cNvPr>
+          <p:cNvSpPr>
+            <a:spLocks noGrp="1"/>
+          </p:cNvSpPr>
+          <p:nvPr>
+            <p:ph type="title"/>
+          </p:nvPr>
+        </p:nvSpPr>
+        <p:spPr/>
+        <p:txBody>
+          <a:bodyPr/>
+          <a:lstStyle/>
+          <a:p>
+            <a:r>
+              <a:rPr kumimoji="1" lang="en-US" altLang="ko-KR" dirty="0"/>
+              <a:t>Project Layout</a:t>
+            </a:r>
+            <a:endParaRPr kumimoji="1" lang="ko-KR" altLang="en-US" dirty="0"/>
+          </a:p>
+        </p:txBody>
+      </p:sp>
+      <p:sp>
+        <p:nvSpPr>
+          <p:cNvPr id="3" name="내용 개체 틀 2">
+            <a:extLst>
+              <a:ext uri="{FF2B5EF4-FFF2-40B4-BE49-F238E27FC236}">
+                <a16:creationId xmlns:a16="http://schemas.microsoft.com/office/drawing/2014/main" id="{76274346-7266-FA6D-7ABE-DA991AF45B4B}"/>
+              </a:ext>
+            </a:extLst>
+          </p:cNvPr>
+          <p:cNvSpPr>
+            <a:spLocks noGrp="1"/>
+          </p:cNvSpPr>
+          <p:nvPr>
+            <p:ph idx="1"/>
+          </p:nvPr>
+        </p:nvSpPr>
+        <p:spPr>
+          <a:xfrm>
+            <a:off x="5786846" y="1825625"/>
+            <a:ext cx="5566954" cy="4351338"/>
+          </a:xfrm>
+        </p:spPr>
+        <p:txBody>
+          <a:bodyPr>
+            <a:normAutofit/>
+          </a:bodyPr>
+          <a:lstStyle/>
+          <a:p>
+            <a:r>
+              <a:rPr kumimoji="1" lang="en" altLang="ko-KR" dirty="0" err="1"/>
+              <a:t>css</a:t>
+            </a:r>
+            <a:r>
+              <a:rPr kumimoji="1" lang="en" altLang="ko-KR" dirty="0"/>
+              <a:t>/</a:t>
+            </a:r>
+            <a:r>
+              <a:rPr kumimoji="1" lang="en" altLang="ko-KR" dirty="0" err="1"/>
+              <a:t>styles.css</a:t>
+            </a:r>
+            <a:r>
+              <a:rPr kumimoji="1" lang="en" altLang="ko-KR" dirty="0"/>
+              <a:t>: basic styling</a:t>
+            </a:r>
+          </a:p>
+          <a:p>
+            <a:endParaRPr kumimoji="1" lang="en" altLang="ko-KR" dirty="0"/>
+          </a:p>
+          <a:p>
+            <a:r>
+              <a:rPr kumimoji="1" lang="en" altLang="ko-KR" dirty="0" err="1"/>
+              <a:t>Index.html</a:t>
+            </a:r>
+            <a:r>
+              <a:rPr kumimoji="1" lang="en" altLang="ko-KR" dirty="0"/>
+              <a:t>: main html file</a:t>
+            </a:r>
+          </a:p>
+          <a:p>
+            <a:endParaRPr kumimoji="1" lang="en" altLang="ko-KR" dirty="0"/>
+          </a:p>
+          <a:p>
+            <a:r>
+              <a:rPr kumimoji="1" lang="en" altLang="ko-KR" dirty="0"/>
+              <a:t>Utils/*.</a:t>
+            </a:r>
+            <a:r>
+              <a:rPr kumimoji="1" lang="en" altLang="ko-KR" dirty="0" err="1"/>
+              <a:t>js</a:t>
+            </a:r>
+            <a:r>
+              <a:rPr kumimoji="1" lang="en" altLang="ko-KR" dirty="0"/>
+              <a:t>:</a:t>
+            </a:r>
+            <a:br>
+              <a:rPr kumimoji="1" lang="en-US" altLang="ko-KR" dirty="0"/>
+            </a:br>
+            <a:r>
+              <a:rPr lang="en" altLang="ko-KR" dirty="0"/>
+              <a:t>JavaScript file fetches data from an API, processes it, and renders the feature pages within the 'content-area'.</a:t>
+            </a:r>
+            <a:endParaRPr kumimoji="1" lang="en" altLang="ko-KR" dirty="0"/>
+          </a:p>
+        </p:txBody>
+      </p:sp>
+      <p:pic>
+        <p:nvPicPr>
+          <p:cNvPr id="4" name="그림 3">
+            <a:extLst>
+              <a:ext uri="{FF2B5EF4-FFF2-40B4-BE49-F238E27FC236}">
+                <a16:creationId xmlns:a16="http://schemas.microsoft.com/office/drawing/2014/main" id="{3BB7D694-D0E3-A35E-E8BB-610322042B14}"/>
+              </a:ext>
+            </a:extLst>
+          </p:cNvPr>
+          <p:cNvPicPr>
+            <a:picLocks noChangeAspect="1"/>
+          </p:cNvPicPr>
+          <p:nvPr/>
+        </p:nvPicPr>
+        <p:blipFill>
+          <a:blip r:embed="rId2"/>
+          <a:stretch>
+            <a:fillRect/>
+          </a:stretch>
+        </p:blipFill>
+        <p:spPr>
+          <a:xfrm>
+            <a:off x="838200" y="2144244"/>
+            <a:ext cx="4203700" cy="3302000"/>
+          </a:xfrm>
+          <a:prstGeom prst="rect">
+            <a:avLst/>
+          </a:prstGeom>
+        </p:spPr>
+      </p:pic>
+    </p:spTree>
+    <p:extLst>
+      <p:ext uri="{BB962C8B-B14F-4D97-AF65-F5344CB8AC3E}">
+        <p14:creationId xmlns:p14="http://schemas.microsoft.com/office/powerpoint/2010/main" val="3771466629"/>
+      </p:ext>
+    </p:extLst>
+  </p:cSld>
+  <p:clrMapOvr>
+    <a:masterClrMapping/>
+  </p:clrMapOvr>
+</p:sld>
+</file>
+
+<file path=ppt/slides/slide5.xml><?xml version="1.0" encoding="utf-8"?>
+<p:sld xmlns:a="http://schemas.openxmlformats.org/drawingml/2006/main" xmlns:r="http://schemas.openxmlformats.org/officeDocument/2006/relationships" xmlns:p="http://schemas.openxmlformats.org/presentationml/2006/main">
+  <p:cSld>
+    <p:spTree>
+      <p:nvGrpSpPr>
         <p:cNvPr id="1" name=""/>
         <p:cNvGrpSpPr/>
         <p:nvPr/>
@@ -4550,7 +4895,7 @@
 </p:sld>
 </file>
 
-<file path=ppt/slides/slide5.xml><?xml version="1.0" encoding="utf-8"?>
+<file path=ppt/slides/slide6.xml><?xml version="1.0" encoding="utf-8"?>
 <p:sld xmlns:a="http://schemas.openxmlformats.org/drawingml/2006/main" xmlns:r="http://schemas.openxmlformats.org/officeDocument/2006/relationships" xmlns:p="http://schemas.openxmlformats.org/presentationml/2006/main">
   <p:cSld>
     <p:spTree>
@@ -4650,7 +4995,7 @@
 </p:sld>
 </file>
 
-<file path=ppt/slides/slide6.xml><?xml version="1.0" encoding="utf-8"?>
+<file path=ppt/slides/slide7.xml><?xml version="1.0" encoding="utf-8"?>
 <p:sld xmlns:a="http://schemas.openxmlformats.org/drawingml/2006/main" xmlns:r="http://schemas.openxmlformats.org/officeDocument/2006/relationships" xmlns:p="http://schemas.openxmlformats.org/presentationml/2006/main">
   <p:cSld>
     <p:spTree>
@@ -4769,7 +5114,7 @@
 </p:sld>
 </file>
 
-<file path=ppt/slides/slide7.xml><?xml version="1.0" encoding="utf-8"?>
+<file path=ppt/slides/slide8.xml><?xml version="1.0" encoding="utf-8"?>
 <p:sld xmlns:a="http://schemas.openxmlformats.org/drawingml/2006/main" xmlns:r="http://schemas.openxmlformats.org/officeDocument/2006/relationships" xmlns:p="http://schemas.openxmlformats.org/presentationml/2006/main">
   <p:cSld>
     <p:spTree>
@@ -4869,7 +5214,7 @@
 </p:sld>
 </file>
 
-<file path=ppt/slides/slide8.xml><?xml version="1.0" encoding="utf-8"?>
+<file path=ppt/slides/slide9.xml><?xml version="1.0" encoding="utf-8"?>
 <p:sld xmlns:a="http://schemas.openxmlformats.org/drawingml/2006/main" xmlns:r="http://schemas.openxmlformats.org/officeDocument/2006/relationships" xmlns:p="http://schemas.openxmlformats.org/presentationml/2006/main">
   <p:cSld>
     <p:spTree>
@@ -4974,170 +5319,6 @@
     <p:extLst>
       <p:ext uri="{BB962C8B-B14F-4D97-AF65-F5344CB8AC3E}">
         <p14:creationId xmlns:p14="http://schemas.microsoft.com/office/powerpoint/2010/main" val="4292203781"/>
-      </p:ext>
-    </p:extLst>
-  </p:cSld>
-  <p:clrMapOvr>
-    <a:masterClrMapping/>
-  </p:clrMapOvr>
-</p:sld>
-</file>
-
-<file path=ppt/slides/slide9.xml><?xml version="1.0" encoding="utf-8"?>
-<p:sld xmlns:a="http://schemas.openxmlformats.org/drawingml/2006/main" xmlns:r="http://schemas.openxmlformats.org/officeDocument/2006/relationships" xmlns:p="http://schemas.openxmlformats.org/presentationml/2006/main">
-  <p:cSld>
-    <p:spTree>
-      <p:nvGrpSpPr>
-        <p:cNvPr id="1" name="">
-          <a:extLst>
-            <a:ext uri="{FF2B5EF4-FFF2-40B4-BE49-F238E27FC236}">
-              <a16:creationId xmlns:a16="http://schemas.microsoft.com/office/drawing/2014/main" id="{497FD475-9735-E4BE-7833-8AEACD7D02A8}"/>
-            </a:ext>
-          </a:extLst>
-        </p:cNvPr>
-        <p:cNvGrpSpPr/>
-        <p:nvPr/>
-      </p:nvGrpSpPr>
-      <p:grpSpPr>
-        <a:xfrm>
-          <a:off x="0" y="0"/>
-          <a:ext cx="0" cy="0"/>
-          <a:chOff x="0" y="0"/>
-          <a:chExt cx="0" cy="0"/>
-        </a:xfrm>
-      </p:grpSpPr>
-      <p:sp>
-        <p:nvSpPr>
-          <p:cNvPr id="2" name="제목 1">
-            <a:extLst>
-              <a:ext uri="{FF2B5EF4-FFF2-40B4-BE49-F238E27FC236}">
-                <a16:creationId xmlns:a16="http://schemas.microsoft.com/office/drawing/2014/main" id="{0F381DDB-B692-4C4E-6345-B74164875DB4}"/>
-              </a:ext>
-            </a:extLst>
-          </p:cNvPr>
-          <p:cNvSpPr>
-            <a:spLocks noGrp="1"/>
-          </p:cNvSpPr>
-          <p:nvPr>
-            <p:ph type="title"/>
-          </p:nvPr>
-        </p:nvSpPr>
-        <p:spPr/>
-        <p:txBody>
-          <a:bodyPr/>
-          <a:lstStyle/>
-          <a:p>
-            <a:r>
-              <a:rPr kumimoji="1" lang="en-US" altLang="ko-KR" dirty="0"/>
-              <a:t>Main features (3/3)</a:t>
-            </a:r>
-            <a:endParaRPr kumimoji="1" lang="ko-KR" altLang="en-US" dirty="0"/>
-          </a:p>
-        </p:txBody>
-      </p:sp>
-      <p:pic>
-        <p:nvPicPr>
-          <p:cNvPr id="2054" name="Picture 6" descr="Chainalysis | CryptoSlate">
-            <a:extLst>
-              <a:ext uri="{FF2B5EF4-FFF2-40B4-BE49-F238E27FC236}">
-                <a16:creationId xmlns:a16="http://schemas.microsoft.com/office/drawing/2014/main" id="{314D9008-6323-87AB-31CA-48FE74DF2F21}"/>
-              </a:ext>
-            </a:extLst>
-          </p:cNvPr>
-          <p:cNvPicPr>
-            <a:picLocks noChangeAspect="1" noChangeArrowheads="1"/>
-          </p:cNvPicPr>
-          <p:nvPr/>
-        </p:nvPicPr>
-        <p:blipFill>
-          <a:blip r:embed="rId2">
-            <a:extLst>
-              <a:ext uri="{28A0092B-C50C-407E-A947-70E740481C1C}">
-                <a14:useLocalDpi xmlns:a14="http://schemas.microsoft.com/office/drawing/2010/main" val="0"/>
-              </a:ext>
-            </a:extLst>
-          </a:blip>
-          <a:srcRect/>
-          <a:stretch>
-            <a:fillRect/>
-          </a:stretch>
-        </p:blipFill>
-        <p:spPr bwMode="auto">
-          <a:xfrm>
-            <a:off x="398055" y="1559789"/>
-            <a:ext cx="3946566" cy="2071947"/>
-          </a:xfrm>
-          <a:prstGeom prst="rect">
-            <a:avLst/>
-          </a:prstGeom>
-          <a:noFill/>
-          <a:extLst>
-            <a:ext uri="{909E8E84-426E-40DD-AFC4-6F175D3DCCD1}">
-              <a14:hiddenFill xmlns:a14="http://schemas.microsoft.com/office/drawing/2010/main">
-                <a:solidFill>
-                  <a:srgbClr val="FFFFFF"/>
-                </a:solidFill>
-              </a14:hiddenFill>
-            </a:ext>
-          </a:extLst>
-        </p:spPr>
-      </p:pic>
-      <p:pic>
-        <p:nvPicPr>
-          <p:cNvPr id="2050" name="Picture 2">
-            <a:extLst>
-              <a:ext uri="{FF2B5EF4-FFF2-40B4-BE49-F238E27FC236}">
-                <a16:creationId xmlns:a16="http://schemas.microsoft.com/office/drawing/2014/main" id="{46CC2B45-BDEA-FF43-1C47-75CD9D7BB621}"/>
-              </a:ext>
-            </a:extLst>
-          </p:cNvPr>
-          <p:cNvPicPr>
-            <a:picLocks noChangeAspect="1" noChangeArrowheads="1"/>
-          </p:cNvPicPr>
-          <p:nvPr/>
-        </p:nvPicPr>
-        <p:blipFill>
-          <a:blip r:embed="rId3">
-            <a:extLst>
-              <a:ext uri="{28A0092B-C50C-407E-A947-70E740481C1C}">
-                <a14:useLocalDpi xmlns:a14="http://schemas.microsoft.com/office/drawing/2010/main" val="0"/>
-              </a:ext>
-            </a:extLst>
-          </a:blip>
-          <a:srcRect/>
-          <a:stretch>
-            <a:fillRect/>
-          </a:stretch>
-        </p:blipFill>
-        <p:spPr bwMode="auto">
-          <a:xfrm>
-            <a:off x="4149271" y="1590811"/>
-            <a:ext cx="7644674" cy="5016817"/>
-          </a:xfrm>
-          <a:prstGeom prst="rect">
-            <a:avLst/>
-          </a:prstGeom>
-          <a:noFill/>
-          <a:ln>
-            <a:solidFill>
-              <a:schemeClr val="accent1"/>
-            </a:solidFill>
-          </a:ln>
-          <a:extLst>
-            <a:ext uri="{909E8E84-426E-40DD-AFC4-6F175D3DCCD1}">
-              <a14:hiddenFill xmlns:a14="http://schemas.microsoft.com/office/drawing/2010/main">
-                <a:solidFill>
-                  <a:srgbClr val="FFFFFF"/>
-                </a:solidFill>
-              </a14:hiddenFill>
-            </a:ext>
-          </a:extLst>
-        </p:spPr>
-      </p:pic>
-    </p:spTree>
-    <p:extLst>
-      <p:ext uri="{BB962C8B-B14F-4D97-AF65-F5344CB8AC3E}">
-        <p14:creationId xmlns:p14="http://schemas.microsoft.com/office/powerpoint/2010/main" val="2590685777"/>
       </p:ext>
     </p:extLst>
   </p:cSld>
